--- a/Presentation/Rollout - presentation.pptx
+++ b/Presentation/Rollout - presentation.pptx
@@ -251,7 +251,7 @@
           <a:p>
             <a:fld id="{C3F78554-AE18-4799-8306-CE753D5914EC}" type="datetimeFigureOut">
               <a:rPr lang="ru-RU" smtClean="0"/>
-              <a:t>25.11.2020</a:t>
+              <a:t>27.11.2020</a:t>
             </a:fld>
             <a:endParaRPr lang="ru-RU"/>
           </a:p>
@@ -421,7 +421,7 @@
           <a:p>
             <a:fld id="{C3F78554-AE18-4799-8306-CE753D5914EC}" type="datetimeFigureOut">
               <a:rPr lang="ru-RU" smtClean="0"/>
-              <a:t>25.11.2020</a:t>
+              <a:t>27.11.2020</a:t>
             </a:fld>
             <a:endParaRPr lang="ru-RU"/>
           </a:p>
@@ -601,7 +601,7 @@
           <a:p>
             <a:fld id="{C3F78554-AE18-4799-8306-CE753D5914EC}" type="datetimeFigureOut">
               <a:rPr lang="ru-RU" smtClean="0"/>
-              <a:t>25.11.2020</a:t>
+              <a:t>27.11.2020</a:t>
             </a:fld>
             <a:endParaRPr lang="ru-RU"/>
           </a:p>
@@ -771,7 +771,7 @@
           <a:p>
             <a:fld id="{C3F78554-AE18-4799-8306-CE753D5914EC}" type="datetimeFigureOut">
               <a:rPr lang="ru-RU" smtClean="0"/>
-              <a:t>25.11.2020</a:t>
+              <a:t>27.11.2020</a:t>
             </a:fld>
             <a:endParaRPr lang="ru-RU"/>
           </a:p>
@@ -1017,7 +1017,7 @@
           <a:p>
             <a:fld id="{C3F78554-AE18-4799-8306-CE753D5914EC}" type="datetimeFigureOut">
               <a:rPr lang="ru-RU" smtClean="0"/>
-              <a:t>25.11.2020</a:t>
+              <a:t>27.11.2020</a:t>
             </a:fld>
             <a:endParaRPr lang="ru-RU"/>
           </a:p>
@@ -1249,7 +1249,7 @@
           <a:p>
             <a:fld id="{C3F78554-AE18-4799-8306-CE753D5914EC}" type="datetimeFigureOut">
               <a:rPr lang="ru-RU" smtClean="0"/>
-              <a:t>25.11.2020</a:t>
+              <a:t>27.11.2020</a:t>
             </a:fld>
             <a:endParaRPr lang="ru-RU"/>
           </a:p>
@@ -1616,7 +1616,7 @@
           <a:p>
             <a:fld id="{C3F78554-AE18-4799-8306-CE753D5914EC}" type="datetimeFigureOut">
               <a:rPr lang="ru-RU" smtClean="0"/>
-              <a:t>25.11.2020</a:t>
+              <a:t>27.11.2020</a:t>
             </a:fld>
             <a:endParaRPr lang="ru-RU"/>
           </a:p>
@@ -1734,7 +1734,7 @@
           <a:p>
             <a:fld id="{C3F78554-AE18-4799-8306-CE753D5914EC}" type="datetimeFigureOut">
               <a:rPr lang="ru-RU" smtClean="0"/>
-              <a:t>25.11.2020</a:t>
+              <a:t>27.11.2020</a:t>
             </a:fld>
             <a:endParaRPr lang="ru-RU"/>
           </a:p>
@@ -1829,7 +1829,7 @@
           <a:p>
             <a:fld id="{C3F78554-AE18-4799-8306-CE753D5914EC}" type="datetimeFigureOut">
               <a:rPr lang="ru-RU" smtClean="0"/>
-              <a:t>25.11.2020</a:t>
+              <a:t>27.11.2020</a:t>
             </a:fld>
             <a:endParaRPr lang="ru-RU"/>
           </a:p>
@@ -2106,7 +2106,7 @@
           <a:p>
             <a:fld id="{C3F78554-AE18-4799-8306-CE753D5914EC}" type="datetimeFigureOut">
               <a:rPr lang="ru-RU" smtClean="0"/>
-              <a:t>25.11.2020</a:t>
+              <a:t>27.11.2020</a:t>
             </a:fld>
             <a:endParaRPr lang="ru-RU"/>
           </a:p>
@@ -2359,7 +2359,7 @@
           <a:p>
             <a:fld id="{C3F78554-AE18-4799-8306-CE753D5914EC}" type="datetimeFigureOut">
               <a:rPr lang="ru-RU" smtClean="0"/>
-              <a:t>25.11.2020</a:t>
+              <a:t>27.11.2020</a:t>
             </a:fld>
             <a:endParaRPr lang="ru-RU"/>
           </a:p>
@@ -2572,7 +2572,7 @@
           <a:p>
             <a:fld id="{C3F78554-AE18-4799-8306-CE753D5914EC}" type="datetimeFigureOut">
               <a:rPr lang="ru-RU" smtClean="0"/>
-              <a:t>25.11.2020</a:t>
+              <a:t>27.11.2020</a:t>
             </a:fld>
             <a:endParaRPr lang="ru-RU"/>
           </a:p>
@@ -3635,7 +3635,23 @@
           <a:p>
             <a:r>
               <a:rPr lang="ru-RU" b="1" dirty="0" smtClean="0"/>
-              <a:t>Диаграмма состояний и переходов</a:t>
+              <a:t>Диаграмма </a:t>
+            </a:r>
+            <a:r>
+              <a:rPr lang="ru-RU" b="1" dirty="0" smtClean="0"/>
+              <a:t>состояни</a:t>
+            </a:r>
+            <a:r>
+              <a:rPr lang="ru-RU" b="1" dirty="0"/>
+              <a:t>я</a:t>
+            </a:r>
+            <a:r>
+              <a:rPr lang="ru-RU" b="1" dirty="0" smtClean="0"/>
+              <a:t> </a:t>
+            </a:r>
+            <a:r>
+              <a:rPr lang="ru-RU" b="1" dirty="0" smtClean="0"/>
+              <a:t>переходов</a:t>
             </a:r>
             <a:endParaRPr lang="ru-RU" b="1" dirty="0"/>
           </a:p>
@@ -3880,11 +3896,11 @@
   <p:clrMapOvr>
     <a:masterClrMapping/>
   </p:clrMapOvr>
-  <mc:AlternateContent xmlns:mc="http://schemas.openxmlformats.org/markup-compatibility/2006">
-    <mc:Choice xmlns:p14="http://schemas.microsoft.com/office/powerpoint/2010/main" Requires="p14">
+  <mc:AlternateContent xmlns:mc="http://schemas.openxmlformats.org/markup-compatibility/2006" xmlns:p14="http://schemas.microsoft.com/office/powerpoint/2010/main">
+    <mc:Choice Requires="p14">
       <p:transition p14:dur="0"/>
     </mc:Choice>
-    <mc:Fallback>
+    <mc:Fallback xmlns="">
       <p:transition/>
     </mc:Fallback>
   </mc:AlternateContent>

--- a/Presentation/Rollout - presentation.pptx
+++ b/Presentation/Rollout - presentation.pptx
@@ -3638,20 +3638,8 @@
               <a:t>Диаграмма </a:t>
             </a:r>
             <a:r>
-              <a:rPr lang="ru-RU" b="1" dirty="0" smtClean="0"/>
-              <a:t>состояни</a:t>
-            </a:r>
-            <a:r>
-              <a:rPr lang="ru-RU" b="1" dirty="0"/>
-              <a:t>я</a:t>
-            </a:r>
-            <a:r>
-              <a:rPr lang="ru-RU" b="1" dirty="0" smtClean="0"/>
-              <a:t> </a:t>
-            </a:r>
-            <a:r>
-              <a:rPr lang="ru-RU" b="1" dirty="0" smtClean="0"/>
-              <a:t>переходов</a:t>
+              <a:rPr lang="ru-RU" b="1" smtClean="0"/>
+              <a:t>переходов состояний</a:t>
             </a:r>
             <a:endParaRPr lang="ru-RU" b="1" dirty="0"/>
           </a:p>

--- a/Presentation/Rollout - presentation.pptx
+++ b/Presentation/Rollout - presentation.pptx
@@ -251,7 +251,7 @@
           <a:p>
             <a:fld id="{C3F78554-AE18-4799-8306-CE753D5914EC}" type="datetimeFigureOut">
               <a:rPr lang="ru-RU" smtClean="0"/>
-              <a:t>27.11.2020</a:t>
+              <a:t>28.11.2020</a:t>
             </a:fld>
             <a:endParaRPr lang="ru-RU"/>
           </a:p>
@@ -421,7 +421,7 @@
           <a:p>
             <a:fld id="{C3F78554-AE18-4799-8306-CE753D5914EC}" type="datetimeFigureOut">
               <a:rPr lang="ru-RU" smtClean="0"/>
-              <a:t>27.11.2020</a:t>
+              <a:t>28.11.2020</a:t>
             </a:fld>
             <a:endParaRPr lang="ru-RU"/>
           </a:p>
@@ -601,7 +601,7 @@
           <a:p>
             <a:fld id="{C3F78554-AE18-4799-8306-CE753D5914EC}" type="datetimeFigureOut">
               <a:rPr lang="ru-RU" smtClean="0"/>
-              <a:t>27.11.2020</a:t>
+              <a:t>28.11.2020</a:t>
             </a:fld>
             <a:endParaRPr lang="ru-RU"/>
           </a:p>
@@ -771,7 +771,7 @@
           <a:p>
             <a:fld id="{C3F78554-AE18-4799-8306-CE753D5914EC}" type="datetimeFigureOut">
               <a:rPr lang="ru-RU" smtClean="0"/>
-              <a:t>27.11.2020</a:t>
+              <a:t>28.11.2020</a:t>
             </a:fld>
             <a:endParaRPr lang="ru-RU"/>
           </a:p>
@@ -1017,7 +1017,7 @@
           <a:p>
             <a:fld id="{C3F78554-AE18-4799-8306-CE753D5914EC}" type="datetimeFigureOut">
               <a:rPr lang="ru-RU" smtClean="0"/>
-              <a:t>27.11.2020</a:t>
+              <a:t>28.11.2020</a:t>
             </a:fld>
             <a:endParaRPr lang="ru-RU"/>
           </a:p>
@@ -1249,7 +1249,7 @@
           <a:p>
             <a:fld id="{C3F78554-AE18-4799-8306-CE753D5914EC}" type="datetimeFigureOut">
               <a:rPr lang="ru-RU" smtClean="0"/>
-              <a:t>27.11.2020</a:t>
+              <a:t>28.11.2020</a:t>
             </a:fld>
             <a:endParaRPr lang="ru-RU"/>
           </a:p>
@@ -1616,7 +1616,7 @@
           <a:p>
             <a:fld id="{C3F78554-AE18-4799-8306-CE753D5914EC}" type="datetimeFigureOut">
               <a:rPr lang="ru-RU" smtClean="0"/>
-              <a:t>27.11.2020</a:t>
+              <a:t>28.11.2020</a:t>
             </a:fld>
             <a:endParaRPr lang="ru-RU"/>
           </a:p>
@@ -1734,7 +1734,7 @@
           <a:p>
             <a:fld id="{C3F78554-AE18-4799-8306-CE753D5914EC}" type="datetimeFigureOut">
               <a:rPr lang="ru-RU" smtClean="0"/>
-              <a:t>27.11.2020</a:t>
+              <a:t>28.11.2020</a:t>
             </a:fld>
             <a:endParaRPr lang="ru-RU"/>
           </a:p>
@@ -1829,7 +1829,7 @@
           <a:p>
             <a:fld id="{C3F78554-AE18-4799-8306-CE753D5914EC}" type="datetimeFigureOut">
               <a:rPr lang="ru-RU" smtClean="0"/>
-              <a:t>27.11.2020</a:t>
+              <a:t>28.11.2020</a:t>
             </a:fld>
             <a:endParaRPr lang="ru-RU"/>
           </a:p>
@@ -2106,7 +2106,7 @@
           <a:p>
             <a:fld id="{C3F78554-AE18-4799-8306-CE753D5914EC}" type="datetimeFigureOut">
               <a:rPr lang="ru-RU" smtClean="0"/>
-              <a:t>27.11.2020</a:t>
+              <a:t>28.11.2020</a:t>
             </a:fld>
             <a:endParaRPr lang="ru-RU"/>
           </a:p>
@@ -2359,7 +2359,7 @@
           <a:p>
             <a:fld id="{C3F78554-AE18-4799-8306-CE753D5914EC}" type="datetimeFigureOut">
               <a:rPr lang="ru-RU" smtClean="0"/>
-              <a:t>27.11.2020</a:t>
+              <a:t>28.11.2020</a:t>
             </a:fld>
             <a:endParaRPr lang="ru-RU"/>
           </a:p>
@@ -2572,7 +2572,7 @@
           <a:p>
             <a:fld id="{C3F78554-AE18-4799-8306-CE753D5914EC}" type="datetimeFigureOut">
               <a:rPr lang="ru-RU" smtClean="0"/>
-              <a:t>27.11.2020</a:t>
+              <a:t>28.11.2020</a:t>
             </a:fld>
             <a:endParaRPr lang="ru-RU"/>
           </a:p>
@@ -3647,7 +3647,7 @@
       </p:sp>
       <p:pic>
         <p:nvPicPr>
-          <p:cNvPr id="4" name="Объект 3"/>
+          <p:cNvPr id="6" name="Объект 5"/>
           <p:cNvPicPr>
             <a:picLocks noGrp="1" noChangeAspect="1"/>
           </p:cNvPicPr>
@@ -3663,8 +3663,8 @@
         </p:blipFill>
         <p:spPr>
           <a:xfrm>
-            <a:off x="1977491" y="1323898"/>
-            <a:ext cx="8283040" cy="5365658"/>
+            <a:off x="1379220" y="1315960"/>
+            <a:ext cx="9466880" cy="5389640"/>
           </a:xfrm>
           <a:prstGeom prst="rect">
             <a:avLst/>

--- a/Presentation/Rollout - presentation.pptx
+++ b/Presentation/Rollout - presentation.pptx
@@ -251,7 +251,7 @@
           <a:p>
             <a:fld id="{C3F78554-AE18-4799-8306-CE753D5914EC}" type="datetimeFigureOut">
               <a:rPr lang="ru-RU" smtClean="0"/>
-              <a:t>28.11.2020</a:t>
+              <a:t>21.05.2021</a:t>
             </a:fld>
             <a:endParaRPr lang="ru-RU"/>
           </a:p>
@@ -421,7 +421,7 @@
           <a:p>
             <a:fld id="{C3F78554-AE18-4799-8306-CE753D5914EC}" type="datetimeFigureOut">
               <a:rPr lang="ru-RU" smtClean="0"/>
-              <a:t>28.11.2020</a:t>
+              <a:t>21.05.2021</a:t>
             </a:fld>
             <a:endParaRPr lang="ru-RU"/>
           </a:p>
@@ -601,7 +601,7 @@
           <a:p>
             <a:fld id="{C3F78554-AE18-4799-8306-CE753D5914EC}" type="datetimeFigureOut">
               <a:rPr lang="ru-RU" smtClean="0"/>
-              <a:t>28.11.2020</a:t>
+              <a:t>21.05.2021</a:t>
             </a:fld>
             <a:endParaRPr lang="ru-RU"/>
           </a:p>
@@ -771,7 +771,7 @@
           <a:p>
             <a:fld id="{C3F78554-AE18-4799-8306-CE753D5914EC}" type="datetimeFigureOut">
               <a:rPr lang="ru-RU" smtClean="0"/>
-              <a:t>28.11.2020</a:t>
+              <a:t>21.05.2021</a:t>
             </a:fld>
             <a:endParaRPr lang="ru-RU"/>
           </a:p>
@@ -1017,7 +1017,7 @@
           <a:p>
             <a:fld id="{C3F78554-AE18-4799-8306-CE753D5914EC}" type="datetimeFigureOut">
               <a:rPr lang="ru-RU" smtClean="0"/>
-              <a:t>28.11.2020</a:t>
+              <a:t>21.05.2021</a:t>
             </a:fld>
             <a:endParaRPr lang="ru-RU"/>
           </a:p>
@@ -1249,7 +1249,7 @@
           <a:p>
             <a:fld id="{C3F78554-AE18-4799-8306-CE753D5914EC}" type="datetimeFigureOut">
               <a:rPr lang="ru-RU" smtClean="0"/>
-              <a:t>28.11.2020</a:t>
+              <a:t>21.05.2021</a:t>
             </a:fld>
             <a:endParaRPr lang="ru-RU"/>
           </a:p>
@@ -1616,7 +1616,7 @@
           <a:p>
             <a:fld id="{C3F78554-AE18-4799-8306-CE753D5914EC}" type="datetimeFigureOut">
               <a:rPr lang="ru-RU" smtClean="0"/>
-              <a:t>28.11.2020</a:t>
+              <a:t>21.05.2021</a:t>
             </a:fld>
             <a:endParaRPr lang="ru-RU"/>
           </a:p>
@@ -1734,7 +1734,7 @@
           <a:p>
             <a:fld id="{C3F78554-AE18-4799-8306-CE753D5914EC}" type="datetimeFigureOut">
               <a:rPr lang="ru-RU" smtClean="0"/>
-              <a:t>28.11.2020</a:t>
+              <a:t>21.05.2021</a:t>
             </a:fld>
             <a:endParaRPr lang="ru-RU"/>
           </a:p>
@@ -1829,7 +1829,7 @@
           <a:p>
             <a:fld id="{C3F78554-AE18-4799-8306-CE753D5914EC}" type="datetimeFigureOut">
               <a:rPr lang="ru-RU" smtClean="0"/>
-              <a:t>28.11.2020</a:t>
+              <a:t>21.05.2021</a:t>
             </a:fld>
             <a:endParaRPr lang="ru-RU"/>
           </a:p>
@@ -2106,7 +2106,7 @@
           <a:p>
             <a:fld id="{C3F78554-AE18-4799-8306-CE753D5914EC}" type="datetimeFigureOut">
               <a:rPr lang="ru-RU" smtClean="0"/>
-              <a:t>28.11.2020</a:t>
+              <a:t>21.05.2021</a:t>
             </a:fld>
             <a:endParaRPr lang="ru-RU"/>
           </a:p>
@@ -2359,7 +2359,7 @@
           <a:p>
             <a:fld id="{C3F78554-AE18-4799-8306-CE753D5914EC}" type="datetimeFigureOut">
               <a:rPr lang="ru-RU" smtClean="0"/>
-              <a:t>28.11.2020</a:t>
+              <a:t>21.05.2021</a:t>
             </a:fld>
             <a:endParaRPr lang="ru-RU"/>
           </a:p>
@@ -2572,7 +2572,7 @@
           <a:p>
             <a:fld id="{C3F78554-AE18-4799-8306-CE753D5914EC}" type="datetimeFigureOut">
               <a:rPr lang="ru-RU" smtClean="0"/>
-              <a:t>28.11.2020</a:t>
+              <a:t>21.05.2021</a:t>
             </a:fld>
             <a:endParaRPr lang="ru-RU"/>
           </a:p>
@@ -3297,13 +3297,11 @@
       </p:sp>
       <p:pic>
         <p:nvPicPr>
-          <p:cNvPr id="4" name="Объект 3"/>
+          <p:cNvPr id="5" name="Рисунок 4"/>
           <p:cNvPicPr>
-            <a:picLocks noGrp="1" noChangeAspect="1"/>
+            <a:picLocks noChangeAspect="1"/>
           </p:cNvPicPr>
-          <p:nvPr>
-            <p:ph idx="1"/>
-          </p:nvPr>
+          <p:nvPr/>
         </p:nvPicPr>
         <p:blipFill>
           <a:blip r:embed="rId3"/>
@@ -3313,8 +3311,8 @@
         </p:blipFill>
         <p:spPr>
           <a:xfrm>
-            <a:off x="1516423" y="1411356"/>
-            <a:ext cx="8609353" cy="5169868"/>
+            <a:off x="1777360" y="1210964"/>
+            <a:ext cx="7630252" cy="5377567"/>
           </a:xfrm>
           <a:prstGeom prst="rect">
             <a:avLst/>
@@ -3408,155 +3406,92 @@
         <p:spPr/>
         <p:txBody>
           <a:bodyPr>
-            <a:normAutofit fontScale="62500" lnSpcReduction="20000"/>
+            <a:normAutofit fontScale="92500" lnSpcReduction="10000"/>
           </a:bodyPr>
           <a:lstStyle/>
           <a:p>
             <a:pPr lvl="0"/>
             <a:r>
-              <a:rPr lang="ru-RU" dirty="0"/>
+              <a:rPr lang="ru-RU" sz="2400" dirty="0"/>
               <a:t>Игра должна сохранять прогресс и рекорды игроков.</a:t>
             </a:r>
           </a:p>
           <a:p>
             <a:pPr lvl="0"/>
             <a:r>
-              <a:rPr lang="ru-RU" dirty="0"/>
+              <a:rPr lang="ru-RU" sz="2400" dirty="0"/>
               <a:t>Максимальное количество игроков – 5.</a:t>
             </a:r>
           </a:p>
           <a:p>
             <a:pPr lvl="0"/>
             <a:r>
-              <a:rPr lang="ru-RU" dirty="0"/>
+              <a:rPr lang="ru-RU" sz="2400" dirty="0"/>
               <a:t>Сохраненные данные должны храниться в </a:t>
             </a:r>
             <a:r>
-              <a:rPr lang="en-US" dirty="0" err="1"/>
+              <a:rPr lang="en-US" sz="2400" dirty="0" err="1"/>
               <a:t>ini</a:t>
             </a:r>
             <a:r>
-              <a:rPr lang="en-US" dirty="0"/>
-              <a:t> </a:t>
-            </a:r>
-            <a:r>
-              <a:rPr lang="ru-RU" dirty="0"/>
-              <a:t>файле.</a:t>
+              <a:rPr lang="ru-RU" sz="2400" dirty="0"/>
+              <a:t> файле.</a:t>
             </a:r>
           </a:p>
           <a:p>
             <a:pPr lvl="0"/>
             <a:r>
-              <a:rPr lang="ru-RU" dirty="0"/>
+              <a:rPr lang="ru-RU" sz="2400" dirty="0"/>
               <a:t>Суть игры заключается в прохождении лабиринта.</a:t>
             </a:r>
           </a:p>
           <a:p>
             <a:pPr lvl="0"/>
             <a:r>
-              <a:rPr lang="ru-RU" dirty="0"/>
+              <a:rPr lang="ru-RU" sz="2400" dirty="0"/>
+              <a:t>За прохождение уровней начисляется определенное количество очков.</a:t>
+            </a:r>
+          </a:p>
+          <a:p>
+            <a:pPr lvl="0"/>
+            <a:r>
+              <a:rPr lang="ru-RU" sz="2400" dirty="0"/>
               <a:t>Лабиринт строится по определенному алгоритму.</a:t>
             </a:r>
           </a:p>
           <a:p>
             <a:pPr lvl="0"/>
             <a:r>
-              <a:rPr lang="ru-RU" dirty="0"/>
+              <a:rPr lang="ru-RU" sz="2400" dirty="0"/>
               <a:t>Алгоритм построения лабиринта зависит от номера выбранного уровня.</a:t>
             </a:r>
           </a:p>
           <a:p>
             <a:pPr lvl="0"/>
             <a:r>
-              <a:rPr lang="ru-RU" dirty="0"/>
+              <a:rPr lang="ru-RU" sz="2400" dirty="0"/>
               <a:t>Игра должна отображаться в полноэкранном режиме.</a:t>
             </a:r>
           </a:p>
           <a:p>
             <a:pPr lvl="0"/>
             <a:r>
-              <a:rPr lang="ru-RU" dirty="0"/>
-              <a:t>Должны поддерживаться соотношения сторон </a:t>
-            </a:r>
-            <a:r>
-              <a:rPr lang="ru-RU" dirty="0" smtClean="0"/>
-              <a:t>экрана 4:3 </a:t>
-            </a:r>
-            <a:r>
-              <a:rPr lang="ru-RU" dirty="0"/>
-              <a:t>и 16:9.</a:t>
+              <a:rPr lang="ru-RU" sz="2400" dirty="0"/>
+              <a:t>Игра должна иметь музыкальное сопровождение.</a:t>
             </a:r>
           </a:p>
           <a:p>
             <a:pPr lvl="0"/>
             <a:r>
-              <a:rPr lang="ru-RU" dirty="0"/>
-              <a:t>Должны поддерживаться разрешения экрана от 1280*1024 до 1920*1080.</a:t>
+              <a:rPr lang="ru-RU" sz="2400" dirty="0"/>
+              <a:t>Игра должна быть оптимизирована.</a:t>
             </a:r>
           </a:p>
           <a:p>
             <a:pPr lvl="0"/>
             <a:r>
-              <a:rPr lang="ru-RU" dirty="0" smtClean="0"/>
-              <a:t>Программа </a:t>
-            </a:r>
-            <a:r>
-              <a:rPr lang="ru-RU" dirty="0"/>
-              <a:t>должна поддерживаться ОС </a:t>
-            </a:r>
-            <a:r>
-              <a:rPr lang="en-US" dirty="0"/>
-              <a:t>Windows</a:t>
-            </a:r>
-            <a:r>
-              <a:rPr lang="ru-RU" dirty="0"/>
-              <a:t> версии </a:t>
-            </a:r>
-            <a:r>
-              <a:rPr lang="en-US" dirty="0"/>
-              <a:t>XP </a:t>
-            </a:r>
-            <a:r>
-              <a:rPr lang="ru-RU" dirty="0"/>
-              <a:t>и выше.</a:t>
-            </a:r>
-          </a:p>
-          <a:p>
-            <a:pPr lvl="0"/>
-            <a:r>
-              <a:rPr lang="ru-RU" dirty="0" smtClean="0"/>
-              <a:t>Медиа-файлы </a:t>
-            </a:r>
-            <a:r>
-              <a:rPr lang="ru-RU" dirty="0"/>
-              <a:t>(изображения, звуки и пр.) должны храниться в отдельной папке. Размер исполняемого файла игры не должен превышать 3 Мб. Общий объем папки игры не должен превышать 10 Мб.</a:t>
-            </a:r>
-          </a:p>
-          <a:p>
-            <a:pPr lvl="0"/>
-            <a:r>
-              <a:rPr lang="ru-RU" dirty="0" smtClean="0"/>
-              <a:t>Игра </a:t>
-            </a:r>
-            <a:r>
-              <a:rPr lang="ru-RU" dirty="0"/>
-              <a:t>должна быть создана в среде разработки </a:t>
-            </a:r>
-            <a:r>
-              <a:rPr lang="en-US" dirty="0"/>
-              <a:t>Delphi</a:t>
-            </a:r>
-            <a:r>
-              <a:rPr lang="ru-RU" dirty="0"/>
-              <a:t> 7. Исходный код должен быть совместим с более новыми версиями </a:t>
-            </a:r>
-            <a:r>
-              <a:rPr lang="en-US" dirty="0"/>
-              <a:t>Delphi</a:t>
-            </a:r>
-            <a:r>
-              <a:rPr lang="ru-RU" dirty="0"/>
-              <a:t>. </a:t>
+              <a:rPr lang="ru-RU" sz="2400" dirty="0"/>
+              <a:t>Игра должна иметь настройки. </a:t>
             </a:r>
           </a:p>
           <a:p>
@@ -3647,13 +3582,11 @@
       </p:sp>
       <p:pic>
         <p:nvPicPr>
-          <p:cNvPr id="6" name="Объект 5"/>
+          <p:cNvPr id="7" name="Рисунок 6"/>
           <p:cNvPicPr>
-            <a:picLocks noGrp="1" noChangeAspect="1"/>
+            <a:picLocks noChangeAspect="1"/>
           </p:cNvPicPr>
-          <p:nvPr>
-            <p:ph idx="1"/>
-          </p:nvPr>
+          <p:nvPr/>
         </p:nvPicPr>
         <p:blipFill>
           <a:blip r:embed="rId3"/>
@@ -3663,8 +3596,8 @@
         </p:blipFill>
         <p:spPr>
           <a:xfrm>
-            <a:off x="1379220" y="1315960"/>
-            <a:ext cx="9466880" cy="5389640"/>
+            <a:off x="1136501" y="1312431"/>
+            <a:ext cx="9530956" cy="5426119"/>
           </a:xfrm>
           <a:prstGeom prst="rect">
             <a:avLst/>
@@ -3958,28 +3891,22 @@
       </p:sp>
       <p:pic>
         <p:nvPicPr>
-          <p:cNvPr id="4" name="Рисунок 3"/>
+          <p:cNvPr id="3" name="Рисунок 2"/>
           <p:cNvPicPr>
             <a:picLocks noChangeAspect="1"/>
           </p:cNvPicPr>
           <p:nvPr/>
         </p:nvPicPr>
         <p:blipFill>
-          <a:blip r:embed="rId3">
-            <a:extLst>
-              <a:ext uri="{28A0092B-C50C-407E-A947-70E740481C1C}">
-                <a14:useLocalDpi xmlns:a14="http://schemas.microsoft.com/office/drawing/2010/main" val="0"/>
-              </a:ext>
-            </a:extLst>
-          </a:blip>
+          <a:blip r:embed="rId3"/>
           <a:stretch>
             <a:fillRect/>
           </a:stretch>
         </p:blipFill>
         <p:spPr>
           <a:xfrm>
-            <a:off x="1699200" y="1516051"/>
-            <a:ext cx="8793600" cy="4946400"/>
+            <a:off x="1563510" y="1388835"/>
+            <a:ext cx="9064980" cy="5099051"/>
           </a:xfrm>
           <a:prstGeom prst="rect">
             <a:avLst/>
